--- a/HackBattleSP15/documentation/ASE Hackathon.pptx
+++ b/HackBattleSP15/documentation/ASE Hackathon.pptx
@@ -17,7 +17,6 @@
     <p:sldId id="263" r:id="rId11"/>
     <p:sldId id="264" r:id="rId12"/>
     <p:sldId id="265" r:id="rId13"/>
-    <p:sldId id="266" r:id="rId14"/>
   </p:sldIdLst>
   <p:sldSz cx="12192000" cy="6858000"/>
   <p:notesSz cx="6858000" cy="9144000"/>
@@ -6302,7 +6301,6 @@
               <a:rPr lang="en-US" dirty="0"/>
               <a:t> </a:t>
             </a:r>
-            <a:endParaRPr lang="en-US" dirty="0"/>
           </a:p>
         </p:txBody>
       </p:sp>
@@ -6386,6 +6384,24 @@
           <a:bodyPr/>
           <a:lstStyle/>
           <a:p>
+            <a:pPr marL="0" indent="0">
+              <a:buNone/>
+            </a:pPr>
+            <a:r>
+              <a:rPr lang="en-US" dirty="0">
+                <a:hlinkClick r:id="rId2"/>
+              </a:rPr>
+              <a:t>https://</a:t>
+            </a:r>
+            <a:r>
+              <a:rPr lang="en-US" dirty="0" smtClean="0">
+                <a:hlinkClick r:id="rId2"/>
+              </a:rPr>
+              <a:t>github.com/srikarreddy-m/CS551-ASE/tree/src/HackBattleSP15</a:t>
+            </a:r>
+            <a:endParaRPr lang="en-US" dirty="0" smtClean="0"/>
+          </a:p>
+          <a:p>
             <a:endParaRPr lang="en-US" dirty="0"/>
           </a:p>
         </p:txBody>
@@ -6500,8 +6516,8 @@
         </p:nvSpPr>
         <p:spPr>
           <a:xfrm>
-            <a:off x="853440" y="4409440"/>
-            <a:ext cx="8747760" cy="1432560"/>
+            <a:off x="873760" y="4460240"/>
+            <a:ext cx="8747760" cy="646331"/>
           </a:xfrm>
           <a:prstGeom prst="rect">
             <a:avLst/>
@@ -6514,6 +6530,21 @@
           </a:bodyPr>
           <a:lstStyle/>
           <a:p>
+            <a:r>
+              <a:rPr lang="en-US" dirty="0">
+                <a:hlinkClick r:id="rId3"/>
+              </a:rPr>
+              <a:t>https://</a:t>
+            </a:r>
+            <a:r>
+              <a:rPr lang="en-US" dirty="0" smtClean="0">
+                <a:hlinkClick r:id="rId3"/>
+              </a:rPr>
+              <a:t>youtu.be/jL5HzMXUQbI</a:t>
+            </a:r>
+            <a:endParaRPr lang="en-US" dirty="0" smtClean="0"/>
+          </a:p>
+          <a:p>
             <a:endParaRPr lang="en-US" dirty="0"/>
           </a:p>
         </p:txBody>
@@ -6522,85 +6553,6 @@
     <p:extLst>
       <p:ext uri="{BB962C8B-B14F-4D97-AF65-F5344CB8AC3E}">
         <p14:creationId xmlns:p14="http://schemas.microsoft.com/office/powerpoint/2010/main" val="1451652492"/>
-      </p:ext>
-    </p:extLst>
-  </p:cSld>
-  <p:clrMapOvr>
-    <a:masterClrMapping/>
-  </p:clrMapOvr>
-  <p:timing>
-    <p:tnLst>
-      <p:par>
-        <p:cTn id="1" dur="indefinite" restart="never" nodeType="tmRoot"/>
-      </p:par>
-    </p:tnLst>
-  </p:timing>
-</p:sld>
-</file>
-
-<file path=ppt/slides/slide13.xml><?xml version="1.0" encoding="utf-8"?>
-<p:sld xmlns:a="http://schemas.openxmlformats.org/drawingml/2006/main" xmlns:r="http://schemas.openxmlformats.org/officeDocument/2006/relationships" xmlns:p="http://schemas.openxmlformats.org/presentationml/2006/main">
-  <p:cSld>
-    <p:spTree>
-      <p:nvGrpSpPr>
-        <p:cNvPr id="1" name=""/>
-        <p:cNvGrpSpPr/>
-        <p:nvPr/>
-      </p:nvGrpSpPr>
-      <p:grpSpPr>
-        <a:xfrm>
-          <a:off x="0" y="0"/>
-          <a:ext cx="0" cy="0"/>
-          <a:chOff x="0" y="0"/>
-          <a:chExt cx="0" cy="0"/>
-        </a:xfrm>
-      </p:grpSpPr>
-      <p:sp>
-        <p:nvSpPr>
-          <p:cNvPr id="2" name="Title 1"/>
-          <p:cNvSpPr>
-            <a:spLocks noGrp="1"/>
-          </p:cNvSpPr>
-          <p:nvPr>
-            <p:ph type="title"/>
-          </p:nvPr>
-        </p:nvSpPr>
-        <p:spPr/>
-        <p:txBody>
-          <a:bodyPr/>
-          <a:lstStyle/>
-          <a:p>
-            <a:r>
-              <a:rPr lang="en-US" dirty="0" smtClean="0"/>
-              <a:t>References</a:t>
-            </a:r>
-            <a:endParaRPr lang="en-US" dirty="0"/>
-          </a:p>
-        </p:txBody>
-      </p:sp>
-      <p:sp>
-        <p:nvSpPr>
-          <p:cNvPr id="3" name="Content Placeholder 2"/>
-          <p:cNvSpPr>
-            <a:spLocks noGrp="1"/>
-          </p:cNvSpPr>
-          <p:nvPr>
-            <p:ph idx="1"/>
-          </p:nvPr>
-        </p:nvSpPr>
-        <p:spPr/>
-        <p:txBody>
-          <a:bodyPr/>
-          <a:lstStyle/>
-          <a:p>
-            <a:endParaRPr lang="en-US" dirty="0"/>
-          </a:p>
-        </p:txBody>
-      </p:sp>
-    </p:spTree>
-    <p:extLst>
-      <p:ext uri="{BB962C8B-B14F-4D97-AF65-F5344CB8AC3E}">
-        <p14:creationId xmlns:p14="http://schemas.microsoft.com/office/powerpoint/2010/main" val="2680457169"/>
       </p:ext>
     </p:extLst>
   </p:cSld>
@@ -7858,7 +7810,6 @@
               <a:rPr lang="en-US" dirty="0"/>
               <a:t>Input Data set is text document with the Integer dataset.</a:t>
             </a:r>
-            <a:endParaRPr lang="en-US" dirty="0"/>
           </a:p>
         </p:txBody>
       </p:sp>

--- a/HackBattleSP15/documentation/ASE Hackathon.pptx
+++ b/HackBattleSP15/documentation/ASE Hackathon.pptx
@@ -10,13 +10,14 @@
     <p:sldId id="260" r:id="rId4"/>
     <p:sldId id="258" r:id="rId5"/>
     <p:sldId id="261" r:id="rId6"/>
-    <p:sldId id="262" r:id="rId7"/>
-    <p:sldId id="267" r:id="rId8"/>
-    <p:sldId id="269" r:id="rId9"/>
-    <p:sldId id="268" r:id="rId10"/>
-    <p:sldId id="263" r:id="rId11"/>
-    <p:sldId id="264" r:id="rId12"/>
-    <p:sldId id="265" r:id="rId13"/>
+    <p:sldId id="270" r:id="rId7"/>
+    <p:sldId id="262" r:id="rId8"/>
+    <p:sldId id="267" r:id="rId9"/>
+    <p:sldId id="269" r:id="rId10"/>
+    <p:sldId id="268" r:id="rId11"/>
+    <p:sldId id="263" r:id="rId12"/>
+    <p:sldId id="264" r:id="rId13"/>
+    <p:sldId id="265" r:id="rId14"/>
   </p:sldIdLst>
   <p:sldSz cx="12192000" cy="6858000"/>
   <p:notesSz cx="6858000" cy="9144000"/>
@@ -845,7 +846,7 @@
           <a:p>
             <a:fld id="{49FA623D-B923-4E07-AC89-7259A7B55407}" type="datetimeFigureOut">
               <a:rPr lang="en-US" smtClean="0"/>
-              <a:t>4/19/2015</a:t>
+              <a:t>4/22/2015</a:t>
             </a:fld>
             <a:endParaRPr lang="en-US"/>
           </a:p>
@@ -1096,7 +1097,7 @@
           <a:p>
             <a:fld id="{49FA623D-B923-4E07-AC89-7259A7B55407}" type="datetimeFigureOut">
               <a:rPr lang="en-US" smtClean="0"/>
-              <a:t>4/19/2015</a:t>
+              <a:t>4/22/2015</a:t>
             </a:fld>
             <a:endParaRPr lang="en-US"/>
           </a:p>
@@ -1410,7 +1411,7 @@
           <a:p>
             <a:fld id="{49FA623D-B923-4E07-AC89-7259A7B55407}" type="datetimeFigureOut">
               <a:rPr lang="en-US" smtClean="0"/>
-              <a:t>4/19/2015</a:t>
+              <a:t>4/22/2015</a:t>
             </a:fld>
             <a:endParaRPr lang="en-US"/>
           </a:p>
@@ -1751,7 +1752,7 @@
           <a:p>
             <a:fld id="{49FA623D-B923-4E07-AC89-7259A7B55407}" type="datetimeFigureOut">
               <a:rPr lang="en-US" smtClean="0"/>
-              <a:t>4/19/2015</a:t>
+              <a:t>4/22/2015</a:t>
             </a:fld>
             <a:endParaRPr lang="en-US"/>
           </a:p>
@@ -2065,7 +2066,7 @@
           <a:p>
             <a:fld id="{49FA623D-B923-4E07-AC89-7259A7B55407}" type="datetimeFigureOut">
               <a:rPr lang="en-US" smtClean="0"/>
-              <a:t>4/19/2015</a:t>
+              <a:t>4/22/2015</a:t>
             </a:fld>
             <a:endParaRPr lang="en-US"/>
           </a:p>
@@ -2458,7 +2459,7 @@
           <a:p>
             <a:fld id="{49FA623D-B923-4E07-AC89-7259A7B55407}" type="datetimeFigureOut">
               <a:rPr lang="en-US" smtClean="0"/>
-              <a:t>4/19/2015</a:t>
+              <a:t>4/22/2015</a:t>
             </a:fld>
             <a:endParaRPr lang="en-US"/>
           </a:p>
@@ -2628,7 +2629,7 @@
           <a:p>
             <a:fld id="{49FA623D-B923-4E07-AC89-7259A7B55407}" type="datetimeFigureOut">
               <a:rPr lang="en-US" smtClean="0"/>
-              <a:t>4/19/2015</a:t>
+              <a:t>4/22/2015</a:t>
             </a:fld>
             <a:endParaRPr lang="en-US"/>
           </a:p>
@@ -2808,7 +2809,7 @@
           <a:p>
             <a:fld id="{49FA623D-B923-4E07-AC89-7259A7B55407}" type="datetimeFigureOut">
               <a:rPr lang="en-US" smtClean="0"/>
-              <a:t>4/19/2015</a:t>
+              <a:t>4/22/2015</a:t>
             </a:fld>
             <a:endParaRPr lang="en-US"/>
           </a:p>
@@ -2984,7 +2985,7 @@
           <a:p>
             <a:fld id="{49FA623D-B923-4E07-AC89-7259A7B55407}" type="datetimeFigureOut">
               <a:rPr lang="en-US" smtClean="0"/>
-              <a:t>4/19/2015</a:t>
+              <a:t>4/22/2015</a:t>
             </a:fld>
             <a:endParaRPr lang="en-US"/>
           </a:p>
@@ -3231,7 +3232,7 @@
           <a:p>
             <a:fld id="{49FA623D-B923-4E07-AC89-7259A7B55407}" type="datetimeFigureOut">
               <a:rPr lang="en-US" smtClean="0"/>
-              <a:t>4/19/2015</a:t>
+              <a:t>4/22/2015</a:t>
             </a:fld>
             <a:endParaRPr lang="en-US"/>
           </a:p>
@@ -3463,7 +3464,7 @@
           <a:p>
             <a:fld id="{49FA623D-B923-4E07-AC89-7259A7B55407}" type="datetimeFigureOut">
               <a:rPr lang="en-US" smtClean="0"/>
-              <a:t>4/19/2015</a:t>
+              <a:t>4/22/2015</a:t>
             </a:fld>
             <a:endParaRPr lang="en-US"/>
           </a:p>
@@ -3837,7 +3838,7 @@
           <a:p>
             <a:fld id="{49FA623D-B923-4E07-AC89-7259A7B55407}" type="datetimeFigureOut">
               <a:rPr lang="en-US" smtClean="0"/>
-              <a:t>4/19/2015</a:t>
+              <a:t>4/22/2015</a:t>
             </a:fld>
             <a:endParaRPr lang="en-US"/>
           </a:p>
@@ -3960,7 +3961,7 @@
           <a:p>
             <a:fld id="{49FA623D-B923-4E07-AC89-7259A7B55407}" type="datetimeFigureOut">
               <a:rPr lang="en-US" smtClean="0"/>
-              <a:t>4/19/2015</a:t>
+              <a:t>4/22/2015</a:t>
             </a:fld>
             <a:endParaRPr lang="en-US"/>
           </a:p>
@@ -4055,7 +4056,7 @@
           <a:p>
             <a:fld id="{49FA623D-B923-4E07-AC89-7259A7B55407}" type="datetimeFigureOut">
               <a:rPr lang="en-US" smtClean="0"/>
-              <a:t>4/19/2015</a:t>
+              <a:t>4/22/2015</a:t>
             </a:fld>
             <a:endParaRPr lang="en-US"/>
           </a:p>
@@ -4310,7 +4311,7 @@
           <a:p>
             <a:fld id="{49FA623D-B923-4E07-AC89-7259A7B55407}" type="datetimeFigureOut">
               <a:rPr lang="en-US" smtClean="0"/>
-              <a:t>4/19/2015</a:t>
+              <a:t>4/22/2015</a:t>
             </a:fld>
             <a:endParaRPr lang="en-US"/>
           </a:p>
@@ -4573,7 +4574,7 @@
           <a:p>
             <a:fld id="{49FA623D-B923-4E07-AC89-7259A7B55407}" type="datetimeFigureOut">
               <a:rPr lang="en-US" smtClean="0"/>
-              <a:t>4/19/2015</a:t>
+              <a:t>4/22/2015</a:t>
             </a:fld>
             <a:endParaRPr lang="en-US"/>
           </a:p>
@@ -5316,7 +5317,7 @@
           <a:p>
             <a:fld id="{49FA623D-B923-4E07-AC89-7259A7B55407}" type="datetimeFigureOut">
               <a:rPr lang="en-US" smtClean="0"/>
-              <a:t>4/19/2015</a:t>
+              <a:t>4/22/2015</a:t>
             </a:fld>
             <a:endParaRPr lang="en-US"/>
           </a:p>
@@ -6011,18 +6012,16 @@
         <p:spPr>
           <a:xfrm>
             <a:off x="677334" y="609600"/>
-            <a:ext cx="8596668" cy="601374"/>
+            <a:ext cx="8596668" cy="802640"/>
           </a:xfrm>
         </p:spPr>
         <p:txBody>
-          <a:bodyPr>
-            <a:normAutofit fontScale="90000"/>
-          </a:bodyPr>
+          <a:bodyPr/>
           <a:lstStyle/>
           <a:p>
             <a:r>
               <a:rPr lang="en-US" dirty="0" smtClean="0"/>
-              <a:t>Output:</a:t>
+              <a:t>Job 3 Reducer Class</a:t>
             </a:r>
             <a:endParaRPr lang="en-US" dirty="0"/>
           </a:p>
@@ -6030,7 +6029,7 @@
       </p:sp>
       <p:pic>
         <p:nvPicPr>
-          <p:cNvPr id="4" name="Content Placeholder 3"/>
+          <p:cNvPr id="5" name="Content Placeholder 4"/>
           <p:cNvPicPr>
             <a:picLocks noGrp="1" noChangeAspect="1"/>
           </p:cNvPicPr>
@@ -6046,8 +6045,8 @@
         </p:blipFill>
         <p:spPr>
           <a:xfrm>
-            <a:off x="792480" y="1210974"/>
-            <a:ext cx="8887560" cy="4831052"/>
+            <a:off x="677863" y="1290320"/>
+            <a:ext cx="8596312" cy="4655662"/>
           </a:xfrm>
           <a:prstGeom prst="rect">
             <a:avLst/>
@@ -6057,7 +6056,7 @@
     </p:spTree>
     <p:extLst>
       <p:ext uri="{BB962C8B-B14F-4D97-AF65-F5344CB8AC3E}">
-        <p14:creationId xmlns:p14="http://schemas.microsoft.com/office/powerpoint/2010/main" val="2420782620"/>
+        <p14:creationId xmlns:p14="http://schemas.microsoft.com/office/powerpoint/2010/main" val="1646361616"/>
       </p:ext>
     </p:extLst>
   </p:cSld>
@@ -6101,213 +6100,73 @@
             <p:ph type="title"/>
           </p:nvPr>
         </p:nvSpPr>
-        <p:spPr/>
-        <p:txBody>
-          <a:bodyPr/>
-          <a:lstStyle/>
-          <a:p>
-            <a:r>
-              <a:rPr lang="en-US" dirty="0" smtClean="0"/>
-              <a:t>Hadoop Commands</a:t>
-            </a:r>
-            <a:endParaRPr lang="en-US" dirty="0"/>
-          </a:p>
-        </p:txBody>
-      </p:sp>
-      <p:sp>
-        <p:nvSpPr>
-          <p:cNvPr id="3" name="Content Placeholder 2"/>
-          <p:cNvSpPr>
-            <a:spLocks noGrp="1"/>
-          </p:cNvSpPr>
-          <p:nvPr>
-            <p:ph idx="1"/>
-          </p:nvPr>
-        </p:nvSpPr>
         <p:spPr>
           <a:xfrm>
-            <a:off x="677334" y="1930401"/>
-            <a:ext cx="10061786" cy="4110962"/>
+            <a:off x="677334" y="609600"/>
+            <a:ext cx="8596668" cy="601374"/>
           </a:xfrm>
         </p:spPr>
         <p:txBody>
           <a:bodyPr>
-            <a:normAutofit/>
+            <a:normAutofit fontScale="90000"/>
           </a:bodyPr>
           <a:lstStyle/>
           <a:p>
-            <a:pPr marL="0" indent="0">
-              <a:buNone/>
-            </a:pPr>
-            <a:r>
-              <a:rPr lang="en-US" b="1" dirty="0"/>
-              <a:t>create the directory in HDFS:</a:t>
-            </a:r>
-          </a:p>
-          <a:p>
-            <a:r>
-              <a:rPr lang="en-US" b="1" dirty="0" err="1"/>
-              <a:t>cmd</a:t>
-            </a:r>
-            <a:r>
-              <a:rPr lang="en-US" b="1" dirty="0"/>
-              <a:t>&gt;</a:t>
-            </a:r>
-            <a:r>
-              <a:rPr lang="en-US" dirty="0"/>
-              <a:t> </a:t>
-            </a:r>
-            <a:r>
-              <a:rPr lang="en-US" dirty="0" err="1"/>
-              <a:t>hadoop</a:t>
-            </a:r>
-            <a:r>
-              <a:rPr lang="en-US" dirty="0"/>
-              <a:t> fs -</a:t>
-            </a:r>
-            <a:r>
-              <a:rPr lang="en-US" dirty="0" err="1"/>
-              <a:t>mkdir</a:t>
-            </a:r>
-            <a:r>
-              <a:rPr lang="en-US" dirty="0"/>
-              <a:t> /hackathon</a:t>
-            </a:r>
-          </a:p>
-          <a:p>
-            <a:r>
-              <a:rPr lang="en-US" b="1" dirty="0" err="1"/>
-              <a:t>cmd</a:t>
-            </a:r>
-            <a:r>
-              <a:rPr lang="en-US" b="1" dirty="0"/>
-              <a:t>&gt;</a:t>
-            </a:r>
-            <a:r>
-              <a:rPr lang="en-US" dirty="0"/>
-              <a:t> </a:t>
-            </a:r>
-            <a:r>
-              <a:rPr lang="en-US" dirty="0" err="1"/>
-              <a:t>hadoop</a:t>
-            </a:r>
-            <a:r>
-              <a:rPr lang="en-US" dirty="0"/>
-              <a:t> fs -</a:t>
-            </a:r>
-            <a:r>
-              <a:rPr lang="en-US" dirty="0" err="1"/>
-              <a:t>copyFromLocal</a:t>
-            </a:r>
-            <a:r>
-              <a:rPr lang="en-US" dirty="0"/>
-              <a:t> /home/</a:t>
-            </a:r>
-            <a:r>
-              <a:rPr lang="en-US" dirty="0" err="1"/>
-              <a:t>biadmin</a:t>
-            </a:r>
-            <a:r>
-              <a:rPr lang="en-US" dirty="0"/>
-              <a:t>/Desktop/HackathonSP2015/input.txt /user/</a:t>
-            </a:r>
-            <a:r>
-              <a:rPr lang="en-US" dirty="0" err="1"/>
-              <a:t>biadmin</a:t>
-            </a:r>
-            <a:r>
-              <a:rPr lang="en-US" dirty="0"/>
-              <a:t>/hackathon/</a:t>
-            </a:r>
-          </a:p>
-          <a:p>
-            <a:r>
-              <a:rPr lang="en-US" b="1" dirty="0" err="1"/>
-              <a:t>cmd</a:t>
-            </a:r>
-            <a:r>
-              <a:rPr lang="en-US" b="1" dirty="0"/>
-              <a:t>&gt;</a:t>
-            </a:r>
-            <a:r>
-              <a:rPr lang="en-US" dirty="0"/>
-              <a:t> </a:t>
-            </a:r>
-            <a:r>
-              <a:rPr lang="en-US" dirty="0" err="1"/>
-              <a:t>hadoop</a:t>
-            </a:r>
-            <a:r>
-              <a:rPr lang="en-US" dirty="0"/>
-              <a:t> fs -ls /user/</a:t>
-            </a:r>
-            <a:r>
-              <a:rPr lang="en-US" dirty="0" err="1"/>
-              <a:t>biadmin</a:t>
-            </a:r>
-            <a:r>
-              <a:rPr lang="en-US" dirty="0"/>
-              <a:t>/hackathon</a:t>
-            </a:r>
             <a:r>
               <a:rPr lang="en-US" dirty="0" smtClean="0"/>
-              <a:t>/</a:t>
-            </a:r>
-          </a:p>
-          <a:p>
+              <a:t>Output:</a:t>
+            </a:r>
             <a:endParaRPr lang="en-US" dirty="0"/>
           </a:p>
-          <a:p>
-            <a:pPr marL="0" indent="0">
-              <a:buNone/>
-            </a:pPr>
-            <a:r>
-              <a:rPr lang="en-US" b="1" dirty="0"/>
-              <a:t>To Run the Map Reduce Program Jar file in Hadoop:</a:t>
-            </a:r>
-          </a:p>
-          <a:p>
-            <a:pPr marL="0" indent="0">
-              <a:buNone/>
-            </a:pPr>
-            <a:endParaRPr lang="en-US" dirty="0"/>
-          </a:p>
-          <a:p>
-            <a:r>
-              <a:rPr lang="en-US" b="1" dirty="0" err="1"/>
-              <a:t>cmd</a:t>
-            </a:r>
-            <a:r>
-              <a:rPr lang="en-US" b="1" dirty="0"/>
-              <a:t>&gt;</a:t>
-            </a:r>
-            <a:r>
-              <a:rPr lang="en-US" dirty="0"/>
-              <a:t> </a:t>
-            </a:r>
-            <a:r>
-              <a:rPr lang="en-US" dirty="0" err="1"/>
-              <a:t>hadoop</a:t>
-            </a:r>
-            <a:r>
-              <a:rPr lang="en-US" dirty="0"/>
-              <a:t> jar StatisticalAnalysis.jar </a:t>
-            </a:r>
-            <a:r>
-              <a:rPr lang="en-US" dirty="0" err="1"/>
-              <a:t>com.hackathon.mapreduce.AnalyzeData</a:t>
-            </a:r>
-            <a:r>
-              <a:rPr lang="en-US" dirty="0"/>
-              <a:t> </a:t>
-            </a:r>
-          </a:p>
-        </p:txBody>
-      </p:sp>
+        </p:txBody>
+      </p:sp>
+      <p:sp>
+        <p:nvSpPr>
+          <p:cNvPr id="3" name="Content Placeholder 2"/>
+          <p:cNvSpPr>
+            <a:spLocks noGrp="1"/>
+          </p:cNvSpPr>
+          <p:nvPr>
+            <p:ph idx="1"/>
+          </p:nvPr>
+        </p:nvSpPr>
+        <p:spPr/>
+        <p:txBody>
+          <a:bodyPr/>
+          <a:lstStyle/>
+          <a:p>
+            <a:endParaRPr lang="en-US"/>
+          </a:p>
+        </p:txBody>
+      </p:sp>
+      <p:pic>
+        <p:nvPicPr>
+          <p:cNvPr id="5" name="Picture 4"/>
+          <p:cNvPicPr>
+            <a:picLocks noChangeAspect="1"/>
+          </p:cNvPicPr>
+          <p:nvPr/>
+        </p:nvPicPr>
+        <p:blipFill>
+          <a:blip r:embed="rId2"/>
+          <a:stretch>
+            <a:fillRect/>
+          </a:stretch>
+        </p:blipFill>
+        <p:spPr>
+          <a:xfrm>
+            <a:off x="504538" y="1698536"/>
+            <a:ext cx="8726624" cy="4001224"/>
+          </a:xfrm>
+          <a:prstGeom prst="rect">
+            <a:avLst/>
+          </a:prstGeom>
+        </p:spPr>
+      </p:pic>
     </p:spTree>
     <p:extLst>
       <p:ext uri="{BB962C8B-B14F-4D97-AF65-F5344CB8AC3E}">
-        <p14:creationId xmlns:p14="http://schemas.microsoft.com/office/powerpoint/2010/main" val="2359659669"/>
+        <p14:creationId xmlns:p14="http://schemas.microsoft.com/office/powerpoint/2010/main" val="2420782620"/>
       </p:ext>
     </p:extLst>
   </p:cSld>
@@ -6358,6 +6217,256 @@
           <a:p>
             <a:r>
               <a:rPr lang="en-US" dirty="0" smtClean="0"/>
+              <a:t>Hadoop Commands</a:t>
+            </a:r>
+            <a:endParaRPr lang="en-US" dirty="0"/>
+          </a:p>
+        </p:txBody>
+      </p:sp>
+      <p:sp>
+        <p:nvSpPr>
+          <p:cNvPr id="3" name="Content Placeholder 2"/>
+          <p:cNvSpPr>
+            <a:spLocks noGrp="1"/>
+          </p:cNvSpPr>
+          <p:nvPr>
+            <p:ph idx="1"/>
+          </p:nvPr>
+        </p:nvSpPr>
+        <p:spPr>
+          <a:xfrm>
+            <a:off x="677334" y="1930401"/>
+            <a:ext cx="10061786" cy="4110962"/>
+          </a:xfrm>
+        </p:spPr>
+        <p:txBody>
+          <a:bodyPr>
+            <a:normAutofit/>
+          </a:bodyPr>
+          <a:lstStyle/>
+          <a:p>
+            <a:pPr marL="0" indent="0">
+              <a:buNone/>
+            </a:pPr>
+            <a:r>
+              <a:rPr lang="en-US" b="1" dirty="0"/>
+              <a:t>create the directory in HDFS:</a:t>
+            </a:r>
+          </a:p>
+          <a:p>
+            <a:r>
+              <a:rPr lang="en-US" b="1" dirty="0" err="1"/>
+              <a:t>cmd</a:t>
+            </a:r>
+            <a:r>
+              <a:rPr lang="en-US" b="1" dirty="0"/>
+              <a:t>&gt;</a:t>
+            </a:r>
+            <a:r>
+              <a:rPr lang="en-US" dirty="0"/>
+              <a:t> </a:t>
+            </a:r>
+            <a:r>
+              <a:rPr lang="en-US" dirty="0" err="1"/>
+              <a:t>hadoop</a:t>
+            </a:r>
+            <a:r>
+              <a:rPr lang="en-US" dirty="0"/>
+              <a:t> fs -</a:t>
+            </a:r>
+            <a:r>
+              <a:rPr lang="en-US" dirty="0" err="1"/>
+              <a:t>mkdir</a:t>
+            </a:r>
+            <a:r>
+              <a:rPr lang="en-US" dirty="0"/>
+              <a:t> /hackathon</a:t>
+            </a:r>
+          </a:p>
+          <a:p>
+            <a:r>
+              <a:rPr lang="en-US" b="1" dirty="0" err="1"/>
+              <a:t>cmd</a:t>
+            </a:r>
+            <a:r>
+              <a:rPr lang="en-US" b="1" dirty="0"/>
+              <a:t>&gt;</a:t>
+            </a:r>
+            <a:r>
+              <a:rPr lang="en-US" dirty="0"/>
+              <a:t> </a:t>
+            </a:r>
+            <a:r>
+              <a:rPr lang="en-US" dirty="0" err="1"/>
+              <a:t>hadoop</a:t>
+            </a:r>
+            <a:r>
+              <a:rPr lang="en-US" dirty="0"/>
+              <a:t> fs -</a:t>
+            </a:r>
+            <a:r>
+              <a:rPr lang="en-US" dirty="0" err="1"/>
+              <a:t>copyFromLocal</a:t>
+            </a:r>
+            <a:r>
+              <a:rPr lang="en-US" dirty="0"/>
+              <a:t> /home/</a:t>
+            </a:r>
+            <a:r>
+              <a:rPr lang="en-US" dirty="0" err="1"/>
+              <a:t>biadmin</a:t>
+            </a:r>
+            <a:r>
+              <a:rPr lang="en-US" dirty="0"/>
+              <a:t>/Desktop/HackathonSP2015/input.txt /user/</a:t>
+            </a:r>
+            <a:r>
+              <a:rPr lang="en-US" dirty="0" err="1"/>
+              <a:t>biadmin</a:t>
+            </a:r>
+            <a:r>
+              <a:rPr lang="en-US" dirty="0"/>
+              <a:t>/hackathon/</a:t>
+            </a:r>
+          </a:p>
+          <a:p>
+            <a:r>
+              <a:rPr lang="en-US" b="1" dirty="0" err="1"/>
+              <a:t>cmd</a:t>
+            </a:r>
+            <a:r>
+              <a:rPr lang="en-US" b="1" dirty="0"/>
+              <a:t>&gt;</a:t>
+            </a:r>
+            <a:r>
+              <a:rPr lang="en-US" dirty="0"/>
+              <a:t> </a:t>
+            </a:r>
+            <a:r>
+              <a:rPr lang="en-US" dirty="0" err="1"/>
+              <a:t>hadoop</a:t>
+            </a:r>
+            <a:r>
+              <a:rPr lang="en-US" dirty="0"/>
+              <a:t> fs -ls /user/</a:t>
+            </a:r>
+            <a:r>
+              <a:rPr lang="en-US" dirty="0" err="1"/>
+              <a:t>biadmin</a:t>
+            </a:r>
+            <a:r>
+              <a:rPr lang="en-US" dirty="0"/>
+              <a:t>/hackathon</a:t>
+            </a:r>
+            <a:r>
+              <a:rPr lang="en-US" dirty="0" smtClean="0"/>
+              <a:t>/</a:t>
+            </a:r>
+          </a:p>
+          <a:p>
+            <a:endParaRPr lang="en-US" dirty="0"/>
+          </a:p>
+          <a:p>
+            <a:pPr marL="0" indent="0">
+              <a:buNone/>
+            </a:pPr>
+            <a:r>
+              <a:rPr lang="en-US" b="1" dirty="0"/>
+              <a:t>To Run the Map Reduce Program Jar file in Hadoop:</a:t>
+            </a:r>
+          </a:p>
+          <a:p>
+            <a:pPr marL="0" indent="0">
+              <a:buNone/>
+            </a:pPr>
+            <a:endParaRPr lang="en-US" dirty="0"/>
+          </a:p>
+          <a:p>
+            <a:r>
+              <a:rPr lang="en-US" b="1" dirty="0" err="1"/>
+              <a:t>cmd</a:t>
+            </a:r>
+            <a:r>
+              <a:rPr lang="en-US" b="1" dirty="0"/>
+              <a:t>&gt;</a:t>
+            </a:r>
+            <a:r>
+              <a:rPr lang="en-US" dirty="0"/>
+              <a:t> </a:t>
+            </a:r>
+            <a:r>
+              <a:rPr lang="en-US" dirty="0" err="1"/>
+              <a:t>hadoop</a:t>
+            </a:r>
+            <a:r>
+              <a:rPr lang="en-US" dirty="0"/>
+              <a:t> jar StatisticalAnalysis.jar </a:t>
+            </a:r>
+            <a:r>
+              <a:rPr lang="en-US" dirty="0" err="1"/>
+              <a:t>com.hackathon.mapreduce.AnalyzeData</a:t>
+            </a:r>
+            <a:r>
+              <a:rPr lang="en-US" dirty="0"/>
+              <a:t> </a:t>
+            </a:r>
+          </a:p>
+        </p:txBody>
+      </p:sp>
+    </p:spTree>
+    <p:extLst>
+      <p:ext uri="{BB962C8B-B14F-4D97-AF65-F5344CB8AC3E}">
+        <p14:creationId xmlns:p14="http://schemas.microsoft.com/office/powerpoint/2010/main" val="2359659669"/>
+      </p:ext>
+    </p:extLst>
+  </p:cSld>
+  <p:clrMapOvr>
+    <a:masterClrMapping/>
+  </p:clrMapOvr>
+  <p:timing>
+    <p:tnLst>
+      <p:par>
+        <p:cTn id="1" dur="indefinite" restart="never" nodeType="tmRoot"/>
+      </p:par>
+    </p:tnLst>
+  </p:timing>
+</p:sld>
+</file>
+
+<file path=ppt/slides/slide13.xml><?xml version="1.0" encoding="utf-8"?>
+<p:sld xmlns:a="http://schemas.openxmlformats.org/drawingml/2006/main" xmlns:r="http://schemas.openxmlformats.org/officeDocument/2006/relationships" xmlns:p="http://schemas.openxmlformats.org/presentationml/2006/main">
+  <p:cSld>
+    <p:spTree>
+      <p:nvGrpSpPr>
+        <p:cNvPr id="1" name=""/>
+        <p:cNvGrpSpPr/>
+        <p:nvPr/>
+      </p:nvGrpSpPr>
+      <p:grpSpPr>
+        <a:xfrm>
+          <a:off x="0" y="0"/>
+          <a:ext cx="0" cy="0"/>
+          <a:chOff x="0" y="0"/>
+          <a:chExt cx="0" cy="0"/>
+        </a:xfrm>
+      </p:grpSpPr>
+      <p:sp>
+        <p:nvSpPr>
+          <p:cNvPr id="2" name="Title 1"/>
+          <p:cNvSpPr>
+            <a:spLocks noGrp="1"/>
+          </p:cNvSpPr>
+          <p:nvPr>
+            <p:ph type="title"/>
+          </p:nvPr>
+        </p:nvSpPr>
+        <p:spPr/>
+        <p:txBody>
+          <a:bodyPr/>
+          <a:lstStyle/>
+          <a:p>
+            <a:r>
+              <a:rPr lang="en-US" dirty="0" smtClean="0"/>
               <a:t>GitHub URL:</a:t>
             </a:r>
             <a:endParaRPr lang="en-US" dirty="0"/>
@@ -6516,7 +6625,7 @@
         </p:nvSpPr>
         <p:spPr>
           <a:xfrm>
-            <a:off x="873760" y="4460240"/>
+            <a:off x="677334" y="4470400"/>
             <a:ext cx="8747760" cy="646331"/>
           </a:xfrm>
           <a:prstGeom prst="rect">
@@ -6540,7 +6649,7 @@
               <a:rPr lang="en-US" dirty="0" smtClean="0">
                 <a:hlinkClick r:id="rId3"/>
               </a:rPr>
-              <a:t>youtu.be/jL5HzMXUQbI</a:t>
+              <a:t>youtu.be/Tbf8TwPv5u0</a:t>
             </a:r>
             <a:endParaRPr lang="en-US" dirty="0" smtClean="0"/>
           </a:p>
@@ -7208,33 +7317,47 @@
           </a:p>
         </p:txBody>
       </p:sp>
+      <p:sp>
+        <p:nvSpPr>
+          <p:cNvPr id="3" name="Content Placeholder 2"/>
+          <p:cNvSpPr>
+            <a:spLocks noGrp="1"/>
+          </p:cNvSpPr>
+          <p:nvPr>
+            <p:ph idx="1"/>
+          </p:nvPr>
+        </p:nvSpPr>
+        <p:spPr/>
+        <p:txBody>
+          <a:bodyPr/>
+          <a:lstStyle/>
+          <a:p>
+            <a:endParaRPr lang="en-US"/>
+          </a:p>
+        </p:txBody>
+      </p:sp>
       <p:pic>
         <p:nvPicPr>
-          <p:cNvPr id="4" name="Content Placeholder 3"/>
+          <p:cNvPr id="5" name="Picture 4"/>
           <p:cNvPicPr>
-            <a:picLocks noGrp="1" noChangeAspect="1"/>
+            <a:picLocks noChangeAspect="1"/>
           </p:cNvPicPr>
-          <p:nvPr>
-            <p:ph idx="1"/>
-          </p:nvPr>
+          <p:nvPr/>
         </p:nvPicPr>
         <p:blipFill>
-          <a:blip r:embed="rId2">
-            <a:extLst>
-              <a:ext uri="{28A0092B-C50C-407E-A947-70E740481C1C}">
-                <a14:useLocalDpi xmlns:a14="http://schemas.microsoft.com/office/drawing/2010/main" val="0"/>
-              </a:ext>
-            </a:extLst>
-          </a:blip>
+          <a:blip r:embed="rId2"/>
           <a:stretch>
             <a:fillRect/>
           </a:stretch>
         </p:blipFill>
         <p:spPr>
           <a:xfrm>
-            <a:off x="218364" y="1580358"/>
-            <a:ext cx="10522423" cy="4151704"/>
+            <a:off x="762000" y="1930322"/>
+            <a:ext cx="8432800" cy="4257117"/>
           </a:xfrm>
+          <a:prstGeom prst="rect">
+            <a:avLst/>
+          </a:prstGeom>
         </p:spPr>
       </p:pic>
     </p:spTree>
@@ -7320,7 +7443,7 @@
         </p:spPr>
         <p:txBody>
           <a:bodyPr>
-            <a:normAutofit fontScale="92500" lnSpcReduction="20000"/>
+            <a:normAutofit fontScale="85000" lnSpcReduction="20000"/>
           </a:bodyPr>
           <a:lstStyle/>
           <a:p>
@@ -7419,40 +7542,20 @@
             </a:r>
           </a:p>
           <a:p>
-            <a:pPr marL="0" indent="0">
+            <a:pPr marL="400050" lvl="1" indent="0">
               <a:buNone/>
             </a:pPr>
-            <a:endParaRPr lang="en-US" b="1" dirty="0"/>
+            <a:r>
+              <a:rPr lang="en-US" b="1" dirty="0" smtClean="0"/>
+              <a:t>Main </a:t>
+            </a:r>
+            <a:r>
+              <a:rPr lang="en-US" b="1" dirty="0"/>
+              <a:t>/ Driver Method</a:t>
+            </a:r>
           </a:p>
           <a:p>
             <a:pPr marL="400050" lvl="1" indent="0">
-              <a:buNone/>
-            </a:pPr>
-            <a:r>
-              <a:rPr lang="en-US" b="1" dirty="0"/>
-              <a:t>Main Class</a:t>
-            </a:r>
-          </a:p>
-          <a:p>
-            <a:pPr marL="400050" lvl="1" indent="0">
-              <a:buNone/>
-            </a:pPr>
-            <a:r>
-              <a:rPr lang="en-US" b="1" dirty="0"/>
-              <a:t>{</a:t>
-            </a:r>
-          </a:p>
-          <a:p>
-            <a:pPr marL="800100" lvl="2" indent="0">
-              <a:buNone/>
-            </a:pPr>
-            <a:r>
-              <a:rPr lang="en-US" b="1" dirty="0"/>
-              <a:t>	Driver Method</a:t>
-            </a:r>
-          </a:p>
-          <a:p>
-            <a:pPr marL="800100" lvl="2" indent="0">
               <a:buNone/>
             </a:pPr>
             <a:r>
@@ -7461,16 +7564,25 @@
             </a:r>
           </a:p>
           <a:p>
-            <a:pPr marL="800100" lvl="2" indent="0">
+            <a:pPr marL="400050" lvl="1" indent="0">
               <a:buNone/>
             </a:pPr>
             <a:r>
               <a:rPr lang="en-US" b="1" dirty="0"/>
-              <a:t>		Invoke Mapper and Reducer</a:t>
-            </a:r>
-          </a:p>
-          <a:p>
-            <a:pPr marL="800100" lvl="2" indent="0">
+              <a:t>		Invoke Mapper and Reducer Programs by map-reduce jobs.</a:t>
+            </a:r>
+          </a:p>
+          <a:p>
+            <a:pPr marL="400050" lvl="1" indent="0">
+              <a:buNone/>
+            </a:pPr>
+            <a:r>
+              <a:rPr lang="en-US" b="1" dirty="0"/>
+              <a:t>		</a:t>
+            </a:r>
+          </a:p>
+          <a:p>
+            <a:pPr marL="400050" lvl="1" indent="0">
               <a:buNone/>
             </a:pPr>
             <a:r>
@@ -7479,12 +7591,74 @@
             </a:r>
           </a:p>
           <a:p>
-            <a:pPr marL="800100" lvl="2" indent="0">
+            <a:pPr marL="400050" lvl="1" indent="0">
               <a:buNone/>
             </a:pPr>
             <a:r>
               <a:rPr lang="en-US" b="1" dirty="0"/>
-              <a:t>	}</a:t>
+              <a:t>		</a:t>
+            </a:r>
+          </a:p>
+          <a:p>
+            <a:pPr marL="685800" lvl="1"/>
+            <a:r>
+              <a:rPr lang="en-US" b="1" dirty="0"/>
+              <a:t>	</a:t>
+            </a:r>
+            <a:r>
+              <a:rPr lang="en-US" b="1" dirty="0" smtClean="0"/>
+              <a:t>Create </a:t>
+            </a:r>
+            <a:r>
+              <a:rPr lang="en-US" b="1" dirty="0"/>
+              <a:t>3 jobs - two of the jobs take individual input file and generate intermediate result </a:t>
+            </a:r>
+            <a:r>
+              <a:rPr lang="en-US" b="1" dirty="0" smtClean="0"/>
+              <a:t>	by </a:t>
+            </a:r>
+            <a:r>
+              <a:rPr lang="en-US" b="1" dirty="0"/>
+              <a:t>using  </a:t>
+            </a:r>
+            <a:r>
+              <a:rPr lang="en-US" b="1" dirty="0" smtClean="0"/>
+              <a:t>	set 1 of </a:t>
+            </a:r>
+            <a:r>
+              <a:rPr lang="en-US" b="1" dirty="0"/>
+              <a:t>map-reduce program</a:t>
+            </a:r>
+          </a:p>
+          <a:p>
+            <a:pPr marL="685800" lvl="1"/>
+            <a:r>
+              <a:rPr lang="en-US" b="1" dirty="0"/>
+              <a:t>	</a:t>
+            </a:r>
+            <a:r>
+              <a:rPr lang="en-US" b="1" dirty="0" smtClean="0"/>
+              <a:t>Third </a:t>
+            </a:r>
+            <a:r>
+              <a:rPr lang="en-US" b="1" dirty="0"/>
+              <a:t>job merges the output generated by the reducer output of above and  performs </a:t>
+            </a:r>
+            <a:r>
+              <a:rPr lang="en-US" b="1" dirty="0" smtClean="0"/>
+              <a:t>	final statistical analysis </a:t>
+            </a:r>
+            <a:r>
+              <a:rPr lang="en-US" b="1" dirty="0"/>
+              <a:t>on entire </a:t>
+            </a:r>
+            <a:r>
+              <a:rPr lang="en-US" b="1" dirty="0" smtClean="0"/>
+              <a:t>dataset using </a:t>
+            </a:r>
+            <a:r>
+              <a:rPr lang="en-US" b="1" dirty="0"/>
+              <a:t>set 2 of map-reduce program</a:t>
             </a:r>
           </a:p>
           <a:p>
@@ -7493,13 +7667,8 @@
             </a:pPr>
             <a:r>
               <a:rPr lang="en-US" b="1" dirty="0"/>
-              <a:t>}</a:t>
-            </a:r>
-          </a:p>
-          <a:p>
-            <a:pPr marL="0" indent="0">
-              <a:buNone/>
-            </a:pPr>
+              <a:t>		}</a:t>
+            </a:r>
             <a:endParaRPr lang="en-US" dirty="0"/>
           </a:p>
         </p:txBody>
@@ -7591,7 +7760,7 @@
         </p:spPr>
         <p:txBody>
           <a:bodyPr>
-            <a:normAutofit lnSpcReduction="10000"/>
+            <a:normAutofit fontScale="92500" lnSpcReduction="10000"/>
           </a:bodyPr>
           <a:lstStyle/>
           <a:p>
@@ -7599,12 +7768,17 @@
               <a:buNone/>
             </a:pPr>
             <a:r>
-              <a:rPr lang="en-US" b="1" dirty="0" smtClean="0"/>
-              <a:t>Mapper </a:t>
-            </a:r>
-            <a:r>
               <a:rPr lang="en-US" b="1" dirty="0"/>
-              <a:t>Class</a:t>
+              <a:t>Set 1:</a:t>
+            </a:r>
+          </a:p>
+          <a:p>
+            <a:pPr marL="0" indent="0">
+              <a:buNone/>
+            </a:pPr>
+            <a:r>
+              <a:rPr lang="en-US" b="1" dirty="0"/>
+              <a:t>Mapper Class</a:t>
             </a:r>
           </a:p>
           <a:p>
@@ -7703,7 +7877,7 @@
             </a:pPr>
             <a:r>
               <a:rPr lang="en-US" b="1" dirty="0"/>
-              <a:t>		Read key value pairs and perform the business computations.</a:t>
+              <a:t>		Read key value pairs and perform the partial business computations.</a:t>
             </a:r>
           </a:p>
           <a:p>
@@ -7773,42 +7947,186 @@
             <p:ph type="title"/>
           </p:nvPr>
         </p:nvSpPr>
+        <p:spPr/>
+        <p:txBody>
+          <a:bodyPr/>
+          <a:lstStyle/>
+          <a:p>
+            <a:r>
+              <a:rPr lang="en-US" dirty="0" smtClean="0"/>
+              <a:t>Contd..</a:t>
+            </a:r>
+            <a:endParaRPr lang="en-US" dirty="0"/>
+          </a:p>
+        </p:txBody>
+      </p:sp>
+      <p:sp>
+        <p:nvSpPr>
+          <p:cNvPr id="3" name="Content Placeholder 2"/>
+          <p:cNvSpPr>
+            <a:spLocks noGrp="1"/>
+          </p:cNvSpPr>
+          <p:nvPr>
+            <p:ph idx="1"/>
+          </p:nvPr>
+        </p:nvSpPr>
         <p:spPr>
           <a:xfrm>
-            <a:off x="677334" y="609600"/>
-            <a:ext cx="8596668" cy="914400"/>
+            <a:off x="677334" y="1290321"/>
+            <a:ext cx="8596668" cy="4751042"/>
           </a:xfrm>
         </p:spPr>
         <p:txBody>
-          <a:bodyPr/>
-          <a:lstStyle/>
-          <a:p>
+          <a:bodyPr>
+            <a:normAutofit fontScale="85000" lnSpcReduction="20000"/>
+          </a:bodyPr>
+          <a:lstStyle/>
+          <a:p>
+            <a:pPr marL="0" indent="0">
+              <a:buNone/>
+            </a:pPr>
             <a:r>
               <a:rPr lang="en-US" dirty="0" smtClean="0"/>
-              <a:t>Input Dataset</a:t>
+              <a:t>SET 2:</a:t>
+            </a:r>
+          </a:p>
+          <a:p>
+            <a:pPr marL="0" indent="0">
+              <a:buNone/>
+            </a:pPr>
+            <a:r>
+              <a:rPr lang="en-US" dirty="0" smtClean="0"/>
+              <a:t>Mapper </a:t>
+            </a:r>
+            <a:r>
+              <a:rPr lang="en-US" dirty="0"/>
+              <a:t>Class</a:t>
+            </a:r>
+          </a:p>
+          <a:p>
+            <a:pPr marL="0" indent="0">
+              <a:buNone/>
+            </a:pPr>
+            <a:r>
+              <a:rPr lang="en-US" dirty="0"/>
+              <a:t>{</a:t>
+            </a:r>
+          </a:p>
+          <a:p>
+            <a:pPr marL="0" indent="0">
+              <a:buNone/>
+            </a:pPr>
+            <a:r>
+              <a:rPr lang="en-US" dirty="0" smtClean="0"/>
+              <a:t>Map </a:t>
+            </a:r>
+            <a:r>
+              <a:rPr lang="en-US" dirty="0"/>
+              <a:t>Method</a:t>
+            </a:r>
+          </a:p>
+          <a:p>
+            <a:pPr marL="0" indent="0">
+              <a:buNone/>
+            </a:pPr>
+            <a:r>
+              <a:rPr lang="en-US" dirty="0" smtClean="0"/>
+              <a:t>{</a:t>
+            </a:r>
+          </a:p>
+          <a:p>
+            <a:pPr marL="0" indent="0">
+              <a:buNone/>
+            </a:pPr>
+            <a:r>
+              <a:rPr lang="en-US" dirty="0" smtClean="0"/>
+              <a:t>	Read the Input merged data file generated by reducers of set 1 and generate key value pairs</a:t>
+            </a:r>
+          </a:p>
+          <a:p>
+            <a:pPr marL="0" indent="0">
+              <a:buNone/>
+            </a:pPr>
+            <a:r>
+              <a:rPr lang="en-US" dirty="0"/>
+              <a:t>	}</a:t>
+            </a:r>
+          </a:p>
+          <a:p>
+            <a:pPr marL="0" indent="0">
+              <a:buNone/>
+            </a:pPr>
+            <a:r>
+              <a:rPr lang="en-US" dirty="0"/>
+              <a:t>}</a:t>
+            </a:r>
+          </a:p>
+          <a:p>
+            <a:pPr marL="0" indent="0">
+              <a:buNone/>
+            </a:pPr>
+            <a:r>
+              <a:rPr lang="en-US" dirty="0"/>
+              <a:t>Reducer Class</a:t>
+            </a:r>
+          </a:p>
+          <a:p>
+            <a:pPr marL="0" indent="0">
+              <a:buNone/>
+            </a:pPr>
+            <a:r>
+              <a:rPr lang="en-US" dirty="0"/>
+              <a:t>{</a:t>
+            </a:r>
+          </a:p>
+          <a:p>
+            <a:pPr marL="0" indent="0">
+              <a:buNone/>
+            </a:pPr>
+            <a:r>
+              <a:rPr lang="en-US" dirty="0" smtClean="0"/>
+              <a:t>Reduce Method</a:t>
+            </a:r>
+          </a:p>
+          <a:p>
+            <a:pPr marL="0" indent="0">
+              <a:buNone/>
+            </a:pPr>
+            <a:r>
+              <a:rPr lang="en-US" dirty="0" smtClean="0"/>
+              <a:t>{</a:t>
+            </a:r>
+          </a:p>
+          <a:p>
+            <a:pPr marL="0" indent="0">
+              <a:buNone/>
+            </a:pPr>
+            <a:r>
+              <a:rPr lang="en-US" dirty="0" smtClean="0"/>
+              <a:t>Read </a:t>
+            </a:r>
+            <a:r>
+              <a:rPr lang="en-US" dirty="0"/>
+              <a:t>key value pairs and perform the complete business computations.</a:t>
+            </a:r>
+          </a:p>
+          <a:p>
+            <a:pPr marL="0" indent="0">
+              <a:buNone/>
+            </a:pPr>
+            <a:r>
+              <a:rPr lang="en-US" dirty="0" smtClean="0"/>
+              <a:t>}</a:t>
             </a:r>
             <a:endParaRPr lang="en-US" dirty="0"/>
           </a:p>
-        </p:txBody>
-      </p:sp>
-      <p:sp>
-        <p:nvSpPr>
-          <p:cNvPr id="3" name="Content Placeholder 2"/>
-          <p:cNvSpPr>
-            <a:spLocks noGrp="1"/>
-          </p:cNvSpPr>
-          <p:nvPr>
-            <p:ph idx="1"/>
-          </p:nvPr>
-        </p:nvSpPr>
-        <p:spPr/>
-        <p:txBody>
-          <a:bodyPr/>
-          <a:lstStyle/>
-          <a:p>
+          <a:p>
+            <a:pPr marL="0" indent="0">
+              <a:buNone/>
+            </a:pPr>
             <a:r>
               <a:rPr lang="en-US" dirty="0"/>
-              <a:t>Input Data set is text document with the Integer dataset.</a:t>
+              <a:t>}</a:t>
             </a:r>
           </a:p>
         </p:txBody>
@@ -7816,20 +8134,13 @@
     </p:spTree>
     <p:extLst>
       <p:ext uri="{BB962C8B-B14F-4D97-AF65-F5344CB8AC3E}">
-        <p14:creationId xmlns:p14="http://schemas.microsoft.com/office/powerpoint/2010/main" val="3872156263"/>
+        <p14:creationId xmlns:p14="http://schemas.microsoft.com/office/powerpoint/2010/main" val="662103832"/>
       </p:ext>
     </p:extLst>
   </p:cSld>
   <p:clrMapOvr>
     <a:masterClrMapping/>
   </p:clrMapOvr>
-  <p:timing>
-    <p:tnLst>
-      <p:par>
-        <p:cTn id="1" dur="indefinite" restart="never" nodeType="tmRoot"/>
-      </p:par>
-    </p:tnLst>
-  </p:timing>
 </p:sld>
 </file>
 
@@ -7863,53 +8174,124 @@
         <p:spPr>
           <a:xfrm>
             <a:off x="677334" y="609600"/>
-            <a:ext cx="8596668" cy="599440"/>
+            <a:ext cx="8596668" cy="914400"/>
           </a:xfrm>
         </p:spPr>
         <p:txBody>
+          <a:bodyPr/>
+          <a:lstStyle/>
+          <a:p>
+            <a:r>
+              <a:rPr lang="en-US" dirty="0" smtClean="0"/>
+              <a:t>Input Dataset</a:t>
+            </a:r>
+            <a:endParaRPr lang="en-US" dirty="0"/>
+          </a:p>
+        </p:txBody>
+      </p:sp>
+      <p:sp>
+        <p:nvSpPr>
+          <p:cNvPr id="3" name="Content Placeholder 2"/>
+          <p:cNvSpPr>
+            <a:spLocks noGrp="1"/>
+          </p:cNvSpPr>
+          <p:nvPr>
+            <p:ph idx="1"/>
+          </p:nvPr>
+        </p:nvSpPr>
+        <p:spPr/>
+        <p:txBody>
           <a:bodyPr>
-            <a:normAutofit fontScale="90000"/>
+            <a:normAutofit/>
           </a:bodyPr>
           <a:lstStyle/>
           <a:p>
             <a:r>
+              <a:rPr lang="en-US" dirty="0"/>
+              <a:t>Input Data set is </a:t>
+            </a:r>
+            <a:r>
               <a:rPr lang="en-US" dirty="0" smtClean="0"/>
-              <a:t>Driver Class</a:t>
-            </a:r>
+              <a:t>two set of text </a:t>
+            </a:r>
+            <a:r>
+              <a:rPr lang="en-US" dirty="0"/>
+              <a:t>document with the Integer dataset</a:t>
+            </a:r>
+            <a:r>
+              <a:rPr lang="en-US" dirty="0" smtClean="0"/>
+              <a:t>.</a:t>
+            </a:r>
+          </a:p>
+          <a:p>
             <a:endParaRPr lang="en-US" dirty="0"/>
           </a:p>
-        </p:txBody>
-      </p:sp>
-      <p:pic>
-        <p:nvPicPr>
-          <p:cNvPr id="4" name="Content Placeholder 3"/>
-          <p:cNvPicPr>
-            <a:picLocks noGrp="1" noChangeAspect="1"/>
-          </p:cNvPicPr>
-          <p:nvPr>
-            <p:ph idx="1"/>
-          </p:nvPr>
-        </p:nvPicPr>
-        <p:blipFill>
-          <a:blip r:embed="rId2"/>
-          <a:stretch>
-            <a:fillRect/>
-          </a:stretch>
-        </p:blipFill>
-        <p:spPr>
-          <a:xfrm>
-            <a:off x="677863" y="1422400"/>
-            <a:ext cx="8596312" cy="3953523"/>
-          </a:xfrm>
-          <a:prstGeom prst="rect">
-            <a:avLst/>
-          </a:prstGeom>
-        </p:spPr>
-      </p:pic>
+          <a:p>
+            <a:r>
+              <a:rPr lang="en-US" dirty="0" smtClean="0"/>
+              <a:t>Input1:			Input2:</a:t>
+            </a:r>
+          </a:p>
+          <a:p>
+            <a:pPr marL="0" indent="0">
+              <a:buNone/>
+            </a:pPr>
+            <a:r>
+              <a:rPr lang="en-US" dirty="0"/>
+              <a:t>	</a:t>
+            </a:r>
+            <a:r>
+              <a:rPr lang="en-US" dirty="0" smtClean="0"/>
+              <a:t>15					5</a:t>
+            </a:r>
+            <a:endParaRPr lang="en-US" dirty="0"/>
+          </a:p>
+          <a:p>
+            <a:pPr marL="0" indent="0">
+              <a:buNone/>
+            </a:pPr>
+            <a:r>
+              <a:rPr lang="en-US" dirty="0" smtClean="0"/>
+              <a:t>	20					25</a:t>
+            </a:r>
+            <a:endParaRPr lang="en-US" dirty="0"/>
+          </a:p>
+          <a:p>
+            <a:pPr marL="0" indent="0">
+              <a:buNone/>
+            </a:pPr>
+            <a:r>
+              <a:rPr lang="en-US" dirty="0" smtClean="0"/>
+              <a:t>	35					20</a:t>
+            </a:r>
+            <a:endParaRPr lang="en-US" dirty="0"/>
+          </a:p>
+          <a:p>
+            <a:pPr marL="0" indent="0">
+              <a:buNone/>
+            </a:pPr>
+            <a:r>
+              <a:rPr lang="en-US" dirty="0" smtClean="0"/>
+              <a:t>	50					50</a:t>
+            </a:r>
+            <a:endParaRPr lang="en-US" dirty="0"/>
+          </a:p>
+          <a:p>
+            <a:pPr marL="0" indent="0">
+              <a:buNone/>
+            </a:pPr>
+            <a:r>
+              <a:rPr lang="en-US" dirty="0" smtClean="0"/>
+              <a:t>	40					45</a:t>
+            </a:r>
+            <a:endParaRPr lang="en-US" dirty="0"/>
+          </a:p>
+        </p:txBody>
+      </p:sp>
     </p:spTree>
     <p:extLst>
       <p:ext uri="{BB962C8B-B14F-4D97-AF65-F5344CB8AC3E}">
-        <p14:creationId xmlns:p14="http://schemas.microsoft.com/office/powerpoint/2010/main" val="2213493225"/>
+        <p14:creationId xmlns:p14="http://schemas.microsoft.com/office/powerpoint/2010/main" val="3872156263"/>
       </p:ext>
     </p:extLst>
   </p:cSld>
@@ -7956,16 +8338,18 @@
         <p:spPr>
           <a:xfrm>
             <a:off x="677334" y="609600"/>
-            <a:ext cx="8596668" cy="741680"/>
+            <a:ext cx="8596668" cy="599440"/>
           </a:xfrm>
         </p:spPr>
         <p:txBody>
-          <a:bodyPr/>
+          <a:bodyPr>
+            <a:normAutofit fontScale="90000"/>
+          </a:bodyPr>
           <a:lstStyle/>
           <a:p>
             <a:r>
               <a:rPr lang="en-US" dirty="0" smtClean="0"/>
-              <a:t>Mapper Class</a:t>
+              <a:t>Driver Class</a:t>
             </a:r>
             <a:endParaRPr lang="en-US" dirty="0"/>
           </a:p>
@@ -7973,7 +8357,7 @@
       </p:sp>
       <p:pic>
         <p:nvPicPr>
-          <p:cNvPr id="4" name="Content Placeholder 3"/>
+          <p:cNvPr id="5" name="Content Placeholder 4"/>
           <p:cNvPicPr>
             <a:picLocks noGrp="1" noChangeAspect="1"/>
           </p:cNvPicPr>
@@ -7989,8 +8373,8 @@
         </p:blipFill>
         <p:spPr>
           <a:xfrm>
-            <a:off x="1000714" y="1534160"/>
-            <a:ext cx="7950609" cy="4074159"/>
+            <a:off x="1206700" y="1209040"/>
+            <a:ext cx="7538637" cy="4832985"/>
           </a:xfrm>
           <a:prstGeom prst="rect">
             <a:avLst/>
@@ -8000,7 +8384,7 @@
     </p:spTree>
     <p:extLst>
       <p:ext uri="{BB962C8B-B14F-4D97-AF65-F5344CB8AC3E}">
-        <p14:creationId xmlns:p14="http://schemas.microsoft.com/office/powerpoint/2010/main" val="1850774311"/>
+        <p14:creationId xmlns:p14="http://schemas.microsoft.com/office/powerpoint/2010/main" val="2213493225"/>
       </p:ext>
     </p:extLst>
   </p:cSld>
@@ -8047,7 +8431,7 @@
         <p:spPr>
           <a:xfrm>
             <a:off x="677334" y="609600"/>
-            <a:ext cx="8596668" cy="802640"/>
+            <a:ext cx="8596668" cy="741680"/>
           </a:xfrm>
         </p:spPr>
         <p:txBody>
@@ -8056,7 +8440,7 @@
           <a:p>
             <a:r>
               <a:rPr lang="en-US" dirty="0" smtClean="0"/>
-              <a:t>Reducer Class</a:t>
+              <a:t>Job 3 Mapper Class</a:t>
             </a:r>
             <a:endParaRPr lang="en-US" dirty="0"/>
           </a:p>
@@ -8064,7 +8448,7 @@
       </p:sp>
       <p:pic>
         <p:nvPicPr>
-          <p:cNvPr id="4" name="Content Placeholder 3"/>
+          <p:cNvPr id="5" name="Content Placeholder 4"/>
           <p:cNvPicPr>
             <a:picLocks noGrp="1" noChangeAspect="1"/>
           </p:cNvPicPr>
@@ -8080,8 +8464,8 @@
         </p:blipFill>
         <p:spPr>
           <a:xfrm>
-            <a:off x="677863" y="1544320"/>
-            <a:ext cx="8596312" cy="4346193"/>
+            <a:off x="677863" y="1351280"/>
+            <a:ext cx="8596312" cy="4596751"/>
           </a:xfrm>
           <a:prstGeom prst="rect">
             <a:avLst/>
@@ -8091,7 +8475,7 @@
     </p:spTree>
     <p:extLst>
       <p:ext uri="{BB962C8B-B14F-4D97-AF65-F5344CB8AC3E}">
-        <p14:creationId xmlns:p14="http://schemas.microsoft.com/office/powerpoint/2010/main" val="1646361616"/>
+        <p14:creationId xmlns:p14="http://schemas.microsoft.com/office/powerpoint/2010/main" val="1850774311"/>
       </p:ext>
     </p:extLst>
   </p:cSld>
